--- a/Summer Project.pptx
+++ b/Summer Project.pptx
@@ -18085,7 +18085,7 @@
         </p:blipFill>
         <p:spPr bwMode="auto">
           <a:xfrm>
-            <a:off x="5250373" y="2488194"/>
+            <a:off x="5252297" y="2488194"/>
             <a:ext cx="825085" cy="825085"/>
           </a:xfrm>
           <a:prstGeom prst="rect">
